--- a/Eliney - Apresentação do projeto Festora.pptx
+++ b/Eliney - Apresentação do projeto Festora.pptx
@@ -222,7 +222,7 @@
           <a:p>
             <a:fld id="{2629E080-8F0B-4796-9612-408C430CFF0F}" type="datetimeFigureOut">
               <a:rPr lang="pt-BR" smtClean="0"/>
-              <a:t>17/02/2025</a:t>
+              <a:t>19/05/2025</a:t>
             </a:fld>
             <a:endParaRPr lang="pt-BR"/>
           </a:p>
@@ -380,7 +380,7 @@
           <a:p>
             <a:fld id="{7667DD0F-EFA1-45B4-94E4-C36DA9F7933D}" type="slidenum">
               <a:rPr lang="pt-BR" smtClean="0"/>
-              <a:t>‹#›</a:t>
+              <a:t>‹nº›</a:t>
             </a:fld>
             <a:endParaRPr lang="pt-BR"/>
           </a:p>
@@ -669,7 +669,7 @@
             <a:fld id="{1D8BD707-D9CF-40AE-B4C6-C98DA3205C09}" type="datetimeFigureOut">
               <a:rPr lang="en-US" smtClean="0"/>
               <a:pPr/>
-              <a:t>2/17/2025</a:t>
+              <a:t>5/19/2025</a:t>
             </a:fld>
             <a:endParaRPr lang="en-US"/>
           </a:p>
@@ -712,7 +712,7 @@
             <a:fld id="{B6F15528-21DE-4FAA-801E-634DDDAF4B2B}" type="slidenum">
               <a:rPr lang="en-US" smtClean="0"/>
               <a:pPr/>
-              <a:t>‹#›</a:t>
+              <a:t>‹nº›</a:t>
             </a:fld>
             <a:endParaRPr lang="en-US"/>
           </a:p>
@@ -834,7 +834,7 @@
             <a:fld id="{1D8BD707-D9CF-40AE-B4C6-C98DA3205C09}" type="datetimeFigureOut">
               <a:rPr lang="en-US" smtClean="0"/>
               <a:pPr/>
-              <a:t>2/17/2025</a:t>
+              <a:t>5/19/2025</a:t>
             </a:fld>
             <a:endParaRPr lang="en-US"/>
           </a:p>
@@ -877,7 +877,7 @@
             <a:fld id="{B6F15528-21DE-4FAA-801E-634DDDAF4B2B}" type="slidenum">
               <a:rPr lang="en-US" smtClean="0"/>
               <a:pPr/>
-              <a:t>‹#›</a:t>
+              <a:t>‹nº›</a:t>
             </a:fld>
             <a:endParaRPr lang="en-US"/>
           </a:p>
@@ -1009,7 +1009,7 @@
             <a:fld id="{1D8BD707-D9CF-40AE-B4C6-C98DA3205C09}" type="datetimeFigureOut">
               <a:rPr lang="en-US" smtClean="0"/>
               <a:pPr/>
-              <a:t>2/17/2025</a:t>
+              <a:t>5/19/2025</a:t>
             </a:fld>
             <a:endParaRPr lang="en-US"/>
           </a:p>
@@ -1052,7 +1052,7 @@
             <a:fld id="{B6F15528-21DE-4FAA-801E-634DDDAF4B2B}" type="slidenum">
               <a:rPr lang="en-US" smtClean="0"/>
               <a:pPr/>
-              <a:t>‹#›</a:t>
+              <a:t>‹nº›</a:t>
             </a:fld>
             <a:endParaRPr lang="en-US"/>
           </a:p>
@@ -1174,7 +1174,7 @@
             <a:fld id="{1D8BD707-D9CF-40AE-B4C6-C98DA3205C09}" type="datetimeFigureOut">
               <a:rPr lang="en-US" smtClean="0"/>
               <a:pPr/>
-              <a:t>2/17/2025</a:t>
+              <a:t>5/19/2025</a:t>
             </a:fld>
             <a:endParaRPr lang="en-US"/>
           </a:p>
@@ -1217,7 +1217,7 @@
             <a:fld id="{B6F15528-21DE-4FAA-801E-634DDDAF4B2B}" type="slidenum">
               <a:rPr lang="en-US" smtClean="0"/>
               <a:pPr/>
-              <a:t>‹#›</a:t>
+              <a:t>‹nº›</a:t>
             </a:fld>
             <a:endParaRPr lang="en-US"/>
           </a:p>
@@ -1416,7 +1416,7 @@
             <a:fld id="{1D8BD707-D9CF-40AE-B4C6-C98DA3205C09}" type="datetimeFigureOut">
               <a:rPr lang="en-US" smtClean="0"/>
               <a:pPr/>
-              <a:t>2/17/2025</a:t>
+              <a:t>5/19/2025</a:t>
             </a:fld>
             <a:endParaRPr lang="en-US"/>
           </a:p>
@@ -1459,7 +1459,7 @@
             <a:fld id="{B6F15528-21DE-4FAA-801E-634DDDAF4B2B}" type="slidenum">
               <a:rPr lang="en-US" smtClean="0"/>
               <a:pPr/>
-              <a:t>‹#›</a:t>
+              <a:t>‹nº›</a:t>
             </a:fld>
             <a:endParaRPr lang="en-US"/>
           </a:p>
@@ -1698,7 +1698,7 @@
             <a:fld id="{1D8BD707-D9CF-40AE-B4C6-C98DA3205C09}" type="datetimeFigureOut">
               <a:rPr lang="en-US" smtClean="0"/>
               <a:pPr/>
-              <a:t>2/17/2025</a:t>
+              <a:t>5/19/2025</a:t>
             </a:fld>
             <a:endParaRPr lang="en-US"/>
           </a:p>
@@ -1741,7 +1741,7 @@
             <a:fld id="{B6F15528-21DE-4FAA-801E-634DDDAF4B2B}" type="slidenum">
               <a:rPr lang="en-US" smtClean="0"/>
               <a:pPr/>
-              <a:t>‹#›</a:t>
+              <a:t>‹nº›</a:t>
             </a:fld>
             <a:endParaRPr lang="en-US"/>
           </a:p>
@@ -2114,7 +2114,7 @@
             <a:fld id="{1D8BD707-D9CF-40AE-B4C6-C98DA3205C09}" type="datetimeFigureOut">
               <a:rPr lang="en-US" smtClean="0"/>
               <a:pPr/>
-              <a:t>2/17/2025</a:t>
+              <a:t>5/19/2025</a:t>
             </a:fld>
             <a:endParaRPr lang="en-US"/>
           </a:p>
@@ -2157,7 +2157,7 @@
             <a:fld id="{B6F15528-21DE-4FAA-801E-634DDDAF4B2B}" type="slidenum">
               <a:rPr lang="en-US" smtClean="0"/>
               <a:pPr/>
-              <a:t>‹#›</a:t>
+              <a:t>‹nº›</a:t>
             </a:fld>
             <a:endParaRPr lang="en-US"/>
           </a:p>
@@ -2228,7 +2228,7 @@
             <a:fld id="{1D8BD707-D9CF-40AE-B4C6-C98DA3205C09}" type="datetimeFigureOut">
               <a:rPr lang="en-US" smtClean="0"/>
               <a:pPr/>
-              <a:t>2/17/2025</a:t>
+              <a:t>5/19/2025</a:t>
             </a:fld>
             <a:endParaRPr lang="en-US"/>
           </a:p>
@@ -2271,7 +2271,7 @@
             <a:fld id="{B6F15528-21DE-4FAA-801E-634DDDAF4B2B}" type="slidenum">
               <a:rPr lang="en-US" smtClean="0"/>
               <a:pPr/>
-              <a:t>‹#›</a:t>
+              <a:t>‹nº›</a:t>
             </a:fld>
             <a:endParaRPr lang="en-US"/>
           </a:p>
@@ -2320,7 +2320,7 @@
             <a:fld id="{1D8BD707-D9CF-40AE-B4C6-C98DA3205C09}" type="datetimeFigureOut">
               <a:rPr lang="en-US" smtClean="0"/>
               <a:pPr/>
-              <a:t>2/17/2025</a:t>
+              <a:t>5/19/2025</a:t>
             </a:fld>
             <a:endParaRPr lang="en-US"/>
           </a:p>
@@ -2363,7 +2363,7 @@
             <a:fld id="{B6F15528-21DE-4FAA-801E-634DDDAF4B2B}" type="slidenum">
               <a:rPr lang="en-US" smtClean="0"/>
               <a:pPr/>
-              <a:t>‹#›</a:t>
+              <a:t>‹nº›</a:t>
             </a:fld>
             <a:endParaRPr lang="en-US"/>
           </a:p>
@@ -2592,7 +2592,7 @@
             <a:fld id="{1D8BD707-D9CF-40AE-B4C6-C98DA3205C09}" type="datetimeFigureOut">
               <a:rPr lang="en-US" smtClean="0"/>
               <a:pPr/>
-              <a:t>2/17/2025</a:t>
+              <a:t>5/19/2025</a:t>
             </a:fld>
             <a:endParaRPr lang="en-US"/>
           </a:p>
@@ -2635,7 +2635,7 @@
             <a:fld id="{B6F15528-21DE-4FAA-801E-634DDDAF4B2B}" type="slidenum">
               <a:rPr lang="en-US" smtClean="0"/>
               <a:pPr/>
-              <a:t>‹#›</a:t>
+              <a:t>‹nº›</a:t>
             </a:fld>
             <a:endParaRPr lang="en-US"/>
           </a:p>
@@ -2841,7 +2841,7 @@
             <a:fld id="{1D8BD707-D9CF-40AE-B4C6-C98DA3205C09}" type="datetimeFigureOut">
               <a:rPr lang="en-US" smtClean="0"/>
               <a:pPr/>
-              <a:t>2/17/2025</a:t>
+              <a:t>5/19/2025</a:t>
             </a:fld>
             <a:endParaRPr lang="en-US"/>
           </a:p>
@@ -2884,7 +2884,7 @@
             <a:fld id="{B6F15528-21DE-4FAA-801E-634DDDAF4B2B}" type="slidenum">
               <a:rPr lang="en-US" smtClean="0"/>
               <a:pPr/>
-              <a:t>‹#›</a:t>
+              <a:t>‹nº›</a:t>
             </a:fld>
             <a:endParaRPr lang="en-US"/>
           </a:p>
@@ -3049,7 +3049,7 @@
             <a:fld id="{1D8BD707-D9CF-40AE-B4C6-C98DA3205C09}" type="datetimeFigureOut">
               <a:rPr lang="en-US" smtClean="0"/>
               <a:pPr/>
-              <a:t>2/17/2025</a:t>
+              <a:t>5/19/2025</a:t>
             </a:fld>
             <a:endParaRPr lang="en-US"/>
           </a:p>
@@ -3128,7 +3128,7 @@
             <a:fld id="{B6F15528-21DE-4FAA-801E-634DDDAF4B2B}" type="slidenum">
               <a:rPr lang="en-US" smtClean="0"/>
               <a:pPr/>
-              <a:t>‹#›</a:t>
+              <a:t>‹nº›</a:t>
             </a:fld>
             <a:endParaRPr lang="en-US"/>
           </a:p>
@@ -3700,7 +3700,7 @@
               </a:rPr>
               <a:t>Apresentação</a:t>
             </a:r>
-            <a:endParaRPr lang="en-US" sz="9676" spc="-638" dirty="0">
+            <a:endParaRPr lang="en-US" sz="9676" b="1" spc="-638" dirty="0">
               <a:solidFill>
                 <a:srgbClr val="FFFFFF"/>
               </a:solidFill>
@@ -3720,8 +3720,8 @@
         </p:nvSpPr>
         <p:spPr>
           <a:xfrm>
-            <a:off x="-1" y="5237491"/>
-            <a:ext cx="18288000" cy="626582"/>
+            <a:off x="0" y="5534223"/>
+            <a:ext cx="18288000" cy="727379"/>
           </a:xfrm>
           <a:prstGeom prst="rect">
             <a:avLst/>
@@ -3739,7 +3739,7 @@
               </a:lnSpc>
             </a:pPr>
             <a:r>
-              <a:rPr lang="en-US" sz="6000" b="1" spc="-128" dirty="0">
+              <a:rPr lang="en-US" sz="9600" b="1" spc="-128" dirty="0">
                 <a:solidFill>
                   <a:srgbClr val="FFFFFF"/>
                 </a:solidFill>
@@ -3748,7 +3748,31 @@
                 <a:cs typeface="Montserrat"/>
                 <a:sym typeface="Montserrat"/>
               </a:rPr>
-              <a:t>F e s t o r a</a:t>
+              <a:t>D O C E   </a:t>
+            </a:r>
+            <a:r>
+              <a:rPr lang="en-US" sz="9600" b="1" spc="-128" dirty="0" err="1">
+                <a:solidFill>
+                  <a:srgbClr val="FFFFFF"/>
+                </a:solidFill>
+                <a:latin typeface="Montserrat" panose="00000500000000000000" pitchFamily="2" charset="0"/>
+                <a:ea typeface="Montserrat"/>
+                <a:cs typeface="Montserrat"/>
+                <a:sym typeface="Montserrat"/>
+              </a:rPr>
+              <a:t>E</a:t>
+            </a:r>
+            <a:r>
+              <a:rPr lang="en-US" sz="9600" b="1" spc="-128" dirty="0">
+                <a:solidFill>
+                  <a:srgbClr val="FFFFFF"/>
+                </a:solidFill>
+                <a:latin typeface="Montserrat" panose="00000500000000000000" pitchFamily="2" charset="0"/>
+                <a:ea typeface="Montserrat"/>
+                <a:cs typeface="Montserrat"/>
+                <a:sym typeface="Montserrat"/>
+              </a:rPr>
+              <a:t> N C O N T R O</a:t>
             </a:r>
           </a:p>
         </p:txBody>
@@ -6935,8 +6959,8 @@
         </p:nvSpPr>
         <p:spPr>
           <a:xfrm>
-            <a:off x="5976" y="778255"/>
-            <a:ext cx="18288000" cy="1819794"/>
+            <a:off x="0" y="1148578"/>
+            <a:ext cx="18288000" cy="934936"/>
           </a:xfrm>
           <a:prstGeom prst="rect">
             <a:avLst/>
@@ -6964,58 +6988,6 @@
                 <a:sym typeface="Montserrat Ultra-Bold"/>
               </a:rPr>
               <a:t>Introdução</a:t>
-            </a:r>
-            <a:endParaRPr lang="en-US" sz="8561" spc="-565" dirty="0">
-              <a:solidFill>
-                <a:srgbClr val="FFFFFF"/>
-              </a:solidFill>
-              <a:latin typeface="Montserrat" panose="00000500000000000000" pitchFamily="2" charset="0"/>
-              <a:ea typeface="Montserrat Ultra-Bold"/>
-              <a:cs typeface="Montserrat Ultra-Bold"/>
-              <a:sym typeface="Montserrat Ultra-Bold"/>
-            </a:endParaRPr>
-          </a:p>
-          <a:p>
-            <a:pPr algn="ctr">
-              <a:lnSpc>
-                <a:spcPts val="6934"/>
-              </a:lnSpc>
-            </a:pPr>
-            <a:r>
-              <a:rPr lang="en-US" sz="8561" spc="-565" dirty="0" err="1">
-                <a:solidFill>
-                  <a:srgbClr val="FFFFFF"/>
-                </a:solidFill>
-                <a:latin typeface="Montserrat" panose="00000500000000000000" pitchFamily="2" charset="0"/>
-                <a:ea typeface="Montserrat Ultra-Bold"/>
-                <a:cs typeface="Montserrat Ultra-Bold"/>
-                <a:sym typeface="Montserrat Ultra-Bold"/>
-              </a:rPr>
-              <a:t>Apresentação</a:t>
-            </a:r>
-            <a:r>
-              <a:rPr lang="en-US" sz="8561" spc="-565" dirty="0">
-                <a:solidFill>
-                  <a:srgbClr val="FFFFFF"/>
-                </a:solidFill>
-                <a:latin typeface="Montserrat" panose="00000500000000000000" pitchFamily="2" charset="0"/>
-                <a:ea typeface="Montserrat Ultra-Bold"/>
-                <a:cs typeface="Montserrat Ultra-Bold"/>
-                <a:sym typeface="Montserrat Ultra-Bold"/>
-              </a:rPr>
-              <a:t> </a:t>
-            </a:r>
-            <a:r>
-              <a:rPr lang="en-US" sz="8561" spc="-565" dirty="0" err="1">
-                <a:solidFill>
-                  <a:srgbClr val="FFFFFF"/>
-                </a:solidFill>
-                <a:latin typeface="Montserrat" panose="00000500000000000000" pitchFamily="2" charset="0"/>
-                <a:ea typeface="Montserrat Ultra-Bold"/>
-                <a:cs typeface="Montserrat Ultra-Bold"/>
-                <a:sym typeface="Montserrat Ultra-Bold"/>
-              </a:rPr>
-              <a:t>Festora</a:t>
             </a:r>
             <a:endParaRPr lang="en-US" sz="8561" spc="-565" dirty="0">
               <a:solidFill>
@@ -7232,7 +7204,7 @@
         </p:nvSpPr>
         <p:spPr>
           <a:xfrm>
-            <a:off x="914400" y="3390900"/>
+            <a:off x="914400" y="2997082"/>
             <a:ext cx="16459200" cy="4575548"/>
           </a:xfrm>
           <a:prstGeom prst="rect">
@@ -7260,74 +7232,7 @@
                 <a:cs typeface="Montserrat Bold"/>
                 <a:sym typeface="Montserrat Bold"/>
               </a:rPr>
-              <a:t>O projeto “</a:t>
-            </a:r>
-            <a:r>
-              <a:rPr lang="pt-BR" sz="2447" b="1" dirty="0" err="1">
-                <a:solidFill>
-                  <a:schemeClr val="bg1"/>
-                </a:solidFill>
-                <a:latin typeface="Montserrat" panose="00000500000000000000" pitchFamily="2" charset="0"/>
-                <a:ea typeface="Montserrat Bold"/>
-                <a:cs typeface="Montserrat Bold"/>
-                <a:sym typeface="Montserrat Bold"/>
-              </a:rPr>
-              <a:t>Festora</a:t>
-            </a:r>
-            <a:r>
-              <a:rPr lang="pt-BR" sz="2447" b="1" dirty="0">
-                <a:solidFill>
-                  <a:schemeClr val="bg1"/>
-                </a:solidFill>
-                <a:latin typeface="Montserrat" panose="00000500000000000000" pitchFamily="2" charset="0"/>
-                <a:ea typeface="Montserrat Bold"/>
-                <a:cs typeface="Montserrat Bold"/>
-                <a:sym typeface="Montserrat Bold"/>
-              </a:rPr>
-              <a:t>” será uma extensão do projeto “</a:t>
-            </a:r>
-            <a:r>
-              <a:rPr lang="pt-BR" sz="2447" b="1" dirty="0" err="1">
-                <a:solidFill>
-                  <a:schemeClr val="bg1"/>
-                </a:solidFill>
-                <a:latin typeface="Montserrat" panose="00000500000000000000" pitchFamily="2" charset="0"/>
-                <a:ea typeface="Montserrat Bold"/>
-                <a:cs typeface="Montserrat Bold"/>
-                <a:sym typeface="Montserrat Bold"/>
-              </a:rPr>
-              <a:t>ConnectEvent</a:t>
-            </a:r>
-            <a:r>
-              <a:rPr lang="pt-BR" sz="2447" b="1" dirty="0">
-                <a:solidFill>
-                  <a:schemeClr val="bg1"/>
-                </a:solidFill>
-                <a:latin typeface="Montserrat" panose="00000500000000000000" pitchFamily="2" charset="0"/>
-                <a:ea typeface="Montserrat Bold"/>
-                <a:cs typeface="Montserrat Bold"/>
-                <a:sym typeface="Montserrat Bold"/>
-              </a:rPr>
-              <a:t>”, este projeto consistirá em uma plataforma Mobile com o objetivo principal de criar eventos particulares, a sua finalidade será facilitar a organização de eventos não organizacionais por parte de pessoas comuns.</a:t>
-            </a:r>
-          </a:p>
-          <a:p>
-            <a:pPr algn="ctr">
-              <a:lnSpc>
-                <a:spcPts val="6118"/>
-              </a:lnSpc>
-            </a:pPr>
-            <a:r>
-              <a:rPr lang="pt-BR" sz="2447" b="1" dirty="0">
-                <a:solidFill>
-                  <a:schemeClr val="bg1"/>
-                </a:solidFill>
-                <a:latin typeface="Montserrat" panose="00000500000000000000" pitchFamily="2" charset="0"/>
-                <a:ea typeface="Montserrat Bold"/>
-                <a:cs typeface="Montserrat Bold"/>
-                <a:sym typeface="Montserrat Bold"/>
-              </a:rPr>
-              <a:t>O objetivo principal da plataforma é solucionar desafios de logística, facilitando a organização e gestão de pessoas, assim como de produtos e serviços pendentes, para que o evento ocorra sem imprevistos.</a:t>
+              <a:t>O Doce Encontro é um aplicativo mobile criado para facilitar a organização de chás de bebê, chá revelação e chás de fraldas. Pensado especialmente para gestantes, o app oferece uma experiência intuitiva e completa, com recursos como criação de eventos, lista de presentes, convites personalizados, localização do evento e muito mais. Tudo isso de forma simples, elegante e acessível. Com o Doce Encontro, transformar momentos especiais em memórias inesquecíveis ficou ainda mais fácil.</a:t>
             </a:r>
           </a:p>
         </p:txBody>
@@ -8388,14 +8293,20 @@
               <a:buChar char="•"/>
             </a:pPr>
             <a:r>
-              <a:rPr lang="pt-BR" b="1" dirty="0">
+              <a:rPr lang="pt-BR" b="1" dirty="0" err="1">
                 <a:solidFill>
                   <a:schemeClr val="bg1"/>
                 </a:solidFill>
                 <a:latin typeface="Montserrat" panose="00000500000000000000" pitchFamily="2" charset="0"/>
               </a:rPr>
-              <a:t>Springboot ( JPA  e  JWT )</a:t>
-            </a:r>
+              <a:t>Springboot</a:t>
+            </a:r>
+            <a:endParaRPr lang="pt-BR" b="1" dirty="0">
+              <a:solidFill>
+                <a:schemeClr val="bg1"/>
+              </a:solidFill>
+              <a:latin typeface="Montserrat" panose="00000500000000000000" pitchFamily="2" charset="0"/>
+            </a:endParaRPr>
           </a:p>
           <a:p>
             <a:pPr marL="742950" lvl="1" indent="-285750">
